--- a/media-source/bc15-architecture-overview.pptx
+++ b/media-source/bc15-architecture-overview.pptx
@@ -261,7 +261,7 @@
           <a:p>
             <a:fld id="{320E6F19-E882-4BCB-B674-79AC8F1E2D23}" type="datetimeFigureOut">
               <a:rPr lang="en-US" smtClean="0"/>
-              <a:t>11/21/2019</a:t>
+              <a:t>4/17/2020</a:t>
             </a:fld>
             <a:endParaRPr lang="en-US"/>
           </a:p>
@@ -461,7 +461,7 @@
           <a:p>
             <a:fld id="{320E6F19-E882-4BCB-B674-79AC8F1E2D23}" type="datetimeFigureOut">
               <a:rPr lang="en-US" smtClean="0"/>
-              <a:t>11/21/2019</a:t>
+              <a:t>4/17/2020</a:t>
             </a:fld>
             <a:endParaRPr lang="en-US"/>
           </a:p>
@@ -671,7 +671,7 @@
           <a:p>
             <a:fld id="{320E6F19-E882-4BCB-B674-79AC8F1E2D23}" type="datetimeFigureOut">
               <a:rPr lang="en-US" smtClean="0"/>
-              <a:t>11/21/2019</a:t>
+              <a:t>4/17/2020</a:t>
             </a:fld>
             <a:endParaRPr lang="en-US"/>
           </a:p>
@@ -871,7 +871,7 @@
           <a:p>
             <a:fld id="{320E6F19-E882-4BCB-B674-79AC8F1E2D23}" type="datetimeFigureOut">
               <a:rPr lang="en-US" smtClean="0"/>
-              <a:t>11/21/2019</a:t>
+              <a:t>4/17/2020</a:t>
             </a:fld>
             <a:endParaRPr lang="en-US"/>
           </a:p>
@@ -1147,7 +1147,7 @@
           <a:p>
             <a:fld id="{320E6F19-E882-4BCB-B674-79AC8F1E2D23}" type="datetimeFigureOut">
               <a:rPr lang="en-US" smtClean="0"/>
-              <a:t>11/21/2019</a:t>
+              <a:t>4/17/2020</a:t>
             </a:fld>
             <a:endParaRPr lang="en-US"/>
           </a:p>
@@ -1415,7 +1415,7 @@
           <a:p>
             <a:fld id="{320E6F19-E882-4BCB-B674-79AC8F1E2D23}" type="datetimeFigureOut">
               <a:rPr lang="en-US" smtClean="0"/>
-              <a:t>11/21/2019</a:t>
+              <a:t>4/17/2020</a:t>
             </a:fld>
             <a:endParaRPr lang="en-US"/>
           </a:p>
@@ -1830,7 +1830,7 @@
           <a:p>
             <a:fld id="{320E6F19-E882-4BCB-B674-79AC8F1E2D23}" type="datetimeFigureOut">
               <a:rPr lang="en-US" smtClean="0"/>
-              <a:t>11/21/2019</a:t>
+              <a:t>4/17/2020</a:t>
             </a:fld>
             <a:endParaRPr lang="en-US"/>
           </a:p>
@@ -1972,7 +1972,7 @@
           <a:p>
             <a:fld id="{320E6F19-E882-4BCB-B674-79AC8F1E2D23}" type="datetimeFigureOut">
               <a:rPr lang="en-US" smtClean="0"/>
-              <a:t>11/21/2019</a:t>
+              <a:t>4/17/2020</a:t>
             </a:fld>
             <a:endParaRPr lang="en-US"/>
           </a:p>
@@ -2085,7 +2085,7 @@
           <a:p>
             <a:fld id="{320E6F19-E882-4BCB-B674-79AC8F1E2D23}" type="datetimeFigureOut">
               <a:rPr lang="en-US" smtClean="0"/>
-              <a:t>11/21/2019</a:t>
+              <a:t>4/17/2020</a:t>
             </a:fld>
             <a:endParaRPr lang="en-US"/>
           </a:p>
@@ -2398,7 +2398,7 @@
           <a:p>
             <a:fld id="{320E6F19-E882-4BCB-B674-79AC8F1E2D23}" type="datetimeFigureOut">
               <a:rPr lang="en-US" smtClean="0"/>
-              <a:t>11/21/2019</a:t>
+              <a:t>4/17/2020</a:t>
             </a:fld>
             <a:endParaRPr lang="en-US"/>
           </a:p>
@@ -2687,7 +2687,7 @@
           <a:p>
             <a:fld id="{320E6F19-E882-4BCB-B674-79AC8F1E2D23}" type="datetimeFigureOut">
               <a:rPr lang="en-US" smtClean="0"/>
-              <a:t>11/21/2019</a:t>
+              <a:t>4/17/2020</a:t>
             </a:fld>
             <a:endParaRPr lang="en-US"/>
           </a:p>
@@ -2930,7 +2930,7 @@
           <a:p>
             <a:fld id="{320E6F19-E882-4BCB-B674-79AC8F1E2D23}" type="datetimeFigureOut">
               <a:rPr lang="en-US" smtClean="0"/>
-              <a:t>11/21/2019</a:t>
+              <a:t>4/17/2020</a:t>
             </a:fld>
             <a:endParaRPr lang="en-US"/>
           </a:p>
@@ -3361,8 +3361,8 @@
         </p:nvSpPr>
         <p:spPr>
           <a:xfrm>
-            <a:off x="3846716" y="2355773"/>
-            <a:ext cx="3339869" cy="913432"/>
+            <a:off x="3846716" y="2514599"/>
+            <a:ext cx="3339869" cy="754605"/>
           </a:xfrm>
           <a:prstGeom prst="rect">
             <a:avLst/>
@@ -4221,6 +4221,72 @@
               <a:t>Platform</a:t>
             </a:r>
             <a:endParaRPr lang="en-US" sz="1200" dirty="0"/>
+          </a:p>
+        </p:txBody>
+      </p:sp>
+      <p:sp>
+        <p:nvSpPr>
+          <p:cNvPr id="2" name="Rektangel 1">
+            <a:extLst>
+              <a:ext uri="{FF2B5EF4-FFF2-40B4-BE49-F238E27FC236}">
+                <a16:creationId xmlns:a16="http://schemas.microsoft.com/office/drawing/2014/main" id="{03CF4597-9E9D-414B-B205-8D9B6B1FBFF9}"/>
+              </a:ext>
+            </a:extLst>
+          </p:cNvPr>
+          <p:cNvSpPr/>
+          <p:nvPr/>
+        </p:nvSpPr>
+        <p:spPr>
+          <a:xfrm>
+            <a:off x="3846715" y="2289666"/>
+            <a:ext cx="3339870" cy="184585"/>
+          </a:xfrm>
+          <a:prstGeom prst="rect">
+            <a:avLst/>
+          </a:prstGeom>
+          <a:solidFill>
+            <a:schemeClr val="bg2">
+              <a:lumMod val="75000"/>
+            </a:schemeClr>
+          </a:solidFill>
+          <a:ln w="28575">
+            <a:noFill/>
+          </a:ln>
+        </p:spPr>
+        <p:style>
+          <a:lnRef idx="2">
+            <a:schemeClr val="accent1">
+              <a:shade val="50000"/>
+            </a:schemeClr>
+          </a:lnRef>
+          <a:fillRef idx="1">
+            <a:schemeClr val="accent1"/>
+          </a:fillRef>
+          <a:effectRef idx="0">
+            <a:schemeClr val="accent1"/>
+          </a:effectRef>
+          <a:fontRef idx="minor">
+            <a:schemeClr val="lt1"/>
+          </a:fontRef>
+        </p:style>
+        <p:txBody>
+          <a:bodyPr rtlCol="0" anchor="ctr"/>
+          <a:lstStyle/>
+          <a:p>
+            <a:pPr algn="ctr"/>
+            <a:r>
+              <a:rPr lang="da-DK" sz="1200" dirty="0">
+                <a:solidFill>
+                  <a:schemeClr val="bg1"/>
+                </a:solidFill>
+              </a:rPr>
+              <a:t>Microsoft Application</a:t>
+            </a:r>
+            <a:endParaRPr lang="en-US" sz="1200" dirty="0">
+              <a:solidFill>
+                <a:schemeClr val="bg1"/>
+              </a:solidFill>
+            </a:endParaRPr>
           </a:p>
         </p:txBody>
       </p:sp>
